--- a/docs/diagrams/LogicComponentClassDiagram.pptx
+++ b/docs/diagrams/LogicComponentClassDiagram.pptx
@@ -208,7 +208,7 @@
           <a:p>
             <a:fld id="{F5CC4B3F-88C1-4FFA-B1B6-F41C21DC6924}" type="datetimeFigureOut">
               <a:rPr lang="en-US" smtClean="0"/>
-              <a:t>3/26/17</a:t>
+              <a:t>4/9/2017</a:t>
             </a:fld>
             <a:endParaRPr lang="en-US"/>
           </a:p>
@@ -657,7 +657,7 @@
           <a:p>
             <a:fld id="{78C97017-6FC3-485B-9764-EAC9E56C1D49}" type="datetimeFigureOut">
               <a:rPr lang="en-US" smtClean="0"/>
-              <a:t>3/26/17</a:t>
+              <a:t>4/9/2017</a:t>
             </a:fld>
             <a:endParaRPr lang="en-US"/>
           </a:p>
@@ -827,7 +827,7 @@
           <a:p>
             <a:fld id="{78C97017-6FC3-485B-9764-EAC9E56C1D49}" type="datetimeFigureOut">
               <a:rPr lang="en-US" smtClean="0"/>
-              <a:t>3/26/17</a:t>
+              <a:t>4/9/2017</a:t>
             </a:fld>
             <a:endParaRPr lang="en-US"/>
           </a:p>
@@ -1007,7 +1007,7 @@
           <a:p>
             <a:fld id="{78C97017-6FC3-485B-9764-EAC9E56C1D49}" type="datetimeFigureOut">
               <a:rPr lang="en-US" smtClean="0"/>
-              <a:t>3/26/17</a:t>
+              <a:t>4/9/2017</a:t>
             </a:fld>
             <a:endParaRPr lang="en-US"/>
           </a:p>
@@ -1177,7 +1177,7 @@
           <a:p>
             <a:fld id="{78C97017-6FC3-485B-9764-EAC9E56C1D49}" type="datetimeFigureOut">
               <a:rPr lang="en-US" smtClean="0"/>
-              <a:t>3/26/17</a:t>
+              <a:t>4/9/2017</a:t>
             </a:fld>
             <a:endParaRPr lang="en-US"/>
           </a:p>
@@ -1423,7 +1423,7 @@
           <a:p>
             <a:fld id="{78C97017-6FC3-485B-9764-EAC9E56C1D49}" type="datetimeFigureOut">
               <a:rPr lang="en-US" smtClean="0"/>
-              <a:t>3/26/17</a:t>
+              <a:t>4/9/2017</a:t>
             </a:fld>
             <a:endParaRPr lang="en-US"/>
           </a:p>
@@ -1711,7 +1711,7 @@
           <a:p>
             <a:fld id="{78C97017-6FC3-485B-9764-EAC9E56C1D49}" type="datetimeFigureOut">
               <a:rPr lang="en-US" smtClean="0"/>
-              <a:t>3/26/17</a:t>
+              <a:t>4/9/2017</a:t>
             </a:fld>
             <a:endParaRPr lang="en-US"/>
           </a:p>
@@ -2133,7 +2133,7 @@
           <a:p>
             <a:fld id="{78C97017-6FC3-485B-9764-EAC9E56C1D49}" type="datetimeFigureOut">
               <a:rPr lang="en-US" smtClean="0"/>
-              <a:t>3/26/17</a:t>
+              <a:t>4/9/2017</a:t>
             </a:fld>
             <a:endParaRPr lang="en-US"/>
           </a:p>
@@ -2251,7 +2251,7 @@
           <a:p>
             <a:fld id="{78C97017-6FC3-485B-9764-EAC9E56C1D49}" type="datetimeFigureOut">
               <a:rPr lang="en-US" smtClean="0"/>
-              <a:t>3/26/17</a:t>
+              <a:t>4/9/2017</a:t>
             </a:fld>
             <a:endParaRPr lang="en-US"/>
           </a:p>
@@ -2346,7 +2346,7 @@
           <a:p>
             <a:fld id="{78C97017-6FC3-485B-9764-EAC9E56C1D49}" type="datetimeFigureOut">
               <a:rPr lang="en-US" smtClean="0"/>
-              <a:t>3/26/17</a:t>
+              <a:t>4/9/2017</a:t>
             </a:fld>
             <a:endParaRPr lang="en-US"/>
           </a:p>
@@ -2623,7 +2623,7 @@
           <a:p>
             <a:fld id="{78C97017-6FC3-485B-9764-EAC9E56C1D49}" type="datetimeFigureOut">
               <a:rPr lang="en-US" smtClean="0"/>
-              <a:t>3/26/17</a:t>
+              <a:t>4/9/2017</a:t>
             </a:fld>
             <a:endParaRPr lang="en-US"/>
           </a:p>
@@ -2876,7 +2876,7 @@
           <a:p>
             <a:fld id="{78C97017-6FC3-485B-9764-EAC9E56C1D49}" type="datetimeFigureOut">
               <a:rPr lang="en-US" smtClean="0"/>
-              <a:t>3/26/17</a:t>
+              <a:t>4/9/2017</a:t>
             </a:fld>
             <a:endParaRPr lang="en-US"/>
           </a:p>
@@ -3089,7 +3089,7 @@
           <a:p>
             <a:fld id="{78C97017-6FC3-485B-9764-EAC9E56C1D49}" type="datetimeFigureOut">
               <a:rPr lang="en-US" smtClean="0"/>
-              <a:t>3/26/17</a:t>
+              <a:t>4/9/2017</a:t>
             </a:fld>
             <a:endParaRPr lang="en-US"/>
           </a:p>
@@ -3472,8 +3472,8 @@
         </p:nvSpPr>
         <p:spPr>
           <a:xfrm>
-            <a:off x="711161" y="705142"/>
-            <a:ext cx="7449457" cy="4472555"/>
+            <a:off x="567791" y="243671"/>
+            <a:ext cx="7627218" cy="4949097"/>
           </a:xfrm>
           <a:prstGeom prst="roundRect">
             <a:avLst>
@@ -3533,7 +3533,7 @@
         </p:nvSpPr>
         <p:spPr>
           <a:xfrm>
-            <a:off x="1545089" y="911951"/>
+            <a:off x="1621289" y="486081"/>
             <a:ext cx="1093635" cy="346760"/>
           </a:xfrm>
           <a:prstGeom prst="rect">
@@ -3592,7 +3592,7 @@
         </p:nvSpPr>
         <p:spPr>
           <a:xfrm flipH="1">
-            <a:off x="6160316" y="2149167"/>
+            <a:off x="6147627" y="1741842"/>
             <a:ext cx="1093635" cy="346760"/>
           </a:xfrm>
           <a:prstGeom prst="rect">
@@ -3710,12 +3710,12 @@
         </p:nvCxnSpPr>
         <p:spPr>
           <a:xfrm flipH="1" flipV="1">
-            <a:off x="2638724" y="1085331"/>
-            <a:ext cx="5204440" cy="3712178"/>
+            <a:off x="2714924" y="659461"/>
+            <a:ext cx="5128240" cy="4138048"/>
           </a:xfrm>
           <a:prstGeom prst="bentConnector3">
             <a:avLst>
-              <a:gd name="adj1" fmla="val -4392"/>
+              <a:gd name="adj1" fmla="val -4458"/>
             </a:avLst>
           </a:prstGeom>
           <a:ln w="19050">
@@ -3753,7 +3753,7 @@
         </p:nvCxnSpPr>
         <p:spPr>
           <a:xfrm>
-            <a:off x="1125541" y="1082471"/>
+            <a:off x="1201741" y="656601"/>
             <a:ext cx="419548" cy="2860"/>
           </a:xfrm>
           <a:prstGeom prst="bentConnector3">
@@ -3854,7 +3854,7 @@
         </p:nvSpPr>
         <p:spPr>
           <a:xfrm flipH="1">
-            <a:off x="6166454" y="2554920"/>
+            <a:off x="6153765" y="2147595"/>
             <a:ext cx="1093635" cy="346760"/>
           </a:xfrm>
           <a:prstGeom prst="rect">
@@ -3910,7 +3910,7 @@
         </p:nvSpPr>
         <p:spPr>
           <a:xfrm flipH="1">
-            <a:off x="6166454" y="3396383"/>
+            <a:off x="6153765" y="2989058"/>
             <a:ext cx="1093635" cy="346760"/>
           </a:xfrm>
           <a:prstGeom prst="rect">
@@ -4102,15 +4102,12 @@
       <p:cxnSp>
         <p:nvCxnSpPr>
           <p:cNvPr id="17" name="Elbow Connector 106"/>
-          <p:cNvCxnSpPr>
-            <a:stCxn id="5" idx="3"/>
-            <a:endCxn id="16" idx="1"/>
-          </p:cNvCxnSpPr>
+          <p:cNvCxnSpPr/>
           <p:nvPr/>
         </p:nvCxnSpPr>
         <p:spPr>
           <a:xfrm>
-            <a:off x="2243470" y="4491806"/>
+            <a:off x="2260336" y="4628384"/>
             <a:ext cx="1001405" cy="1574"/>
           </a:xfrm>
           <a:prstGeom prst="bentConnector3">
@@ -4192,7 +4189,7 @@
         </p:nvSpPr>
         <p:spPr>
           <a:xfrm rot="16200000">
-            <a:off x="-49630" y="2062881"/>
+            <a:off x="-157736" y="1622173"/>
             <a:ext cx="2385478" cy="346760"/>
           </a:xfrm>
           <a:prstGeom prst="rect">
@@ -4262,7 +4259,7 @@
         </p:nvSpPr>
         <p:spPr>
           <a:xfrm>
-            <a:off x="999128" y="3429000"/>
+            <a:off x="849602" y="2951776"/>
             <a:ext cx="270504" cy="175523"/>
           </a:xfrm>
           <a:prstGeom prst="triangle">
@@ -4319,8 +4316,8 @@
         </p:nvCxnSpPr>
         <p:spPr>
           <a:xfrm rot="10800000">
-            <a:off x="1134381" y="3604524"/>
-            <a:ext cx="15455" cy="887283"/>
+            <a:off x="984855" y="3127300"/>
+            <a:ext cx="164981" cy="1364507"/>
           </a:xfrm>
           <a:prstGeom prst="bentConnector2">
             <a:avLst/>
@@ -4680,7 +4677,7 @@
         </p:nvSpPr>
         <p:spPr>
           <a:xfrm>
-            <a:off x="1621289" y="1445568"/>
+            <a:off x="1471047" y="915145"/>
             <a:ext cx="131116" cy="230832"/>
           </a:xfrm>
           <a:prstGeom prst="rect">
@@ -4719,7 +4716,7 @@
         </p:nvSpPr>
         <p:spPr>
           <a:xfrm>
-            <a:off x="2307089" y="4279351"/>
+            <a:off x="2224967" y="4458814"/>
             <a:ext cx="131116" cy="230832"/>
           </a:xfrm>
           <a:prstGeom prst="rect">
@@ -4758,7 +4755,7 @@
         </p:nvSpPr>
         <p:spPr>
           <a:xfrm flipH="1">
-            <a:off x="6166454" y="2956137"/>
+            <a:off x="6153765" y="2548812"/>
             <a:ext cx="1093635" cy="346760"/>
           </a:xfrm>
           <a:prstGeom prst="rect">
@@ -4814,12 +4811,12 @@
         </p:nvCxnSpPr>
         <p:spPr>
           <a:xfrm rot="5400000" flipH="1" flipV="1">
-            <a:off x="122763" y="2796159"/>
-            <a:ext cx="2998546" cy="1493"/>
+            <a:off x="-255250" y="2438961"/>
+            <a:ext cx="3539126" cy="328284"/>
           </a:xfrm>
           <a:prstGeom prst="bentConnector3">
             <a:avLst>
-              <a:gd name="adj1" fmla="val 50000"/>
+              <a:gd name="adj1" fmla="val 90105"/>
             </a:avLst>
           </a:prstGeom>
           <a:ln w="19050">
@@ -4855,7 +4852,7 @@
         </p:nvSpPr>
         <p:spPr>
           <a:xfrm flipH="1">
-            <a:off x="4304681" y="2148937"/>
+            <a:off x="4291992" y="1741612"/>
             <a:ext cx="1093635" cy="346760"/>
           </a:xfrm>
           <a:prstGeom prst="rect">
@@ -4926,7 +4923,7 @@
         </p:nvSpPr>
         <p:spPr>
           <a:xfrm flipH="1">
-            <a:off x="4304681" y="2555337"/>
+            <a:off x="4291992" y="2148012"/>
             <a:ext cx="1093635" cy="346760"/>
           </a:xfrm>
           <a:prstGeom prst="rect">
@@ -4997,7 +4994,7 @@
         </p:nvSpPr>
         <p:spPr>
           <a:xfrm flipH="1">
-            <a:off x="4304679" y="2977582"/>
+            <a:off x="4291990" y="2570257"/>
             <a:ext cx="1093635" cy="346760"/>
           </a:xfrm>
           <a:prstGeom prst="rect">
@@ -5052,7 +5049,7 @@
         </p:nvSpPr>
         <p:spPr>
           <a:xfrm>
-            <a:off x="2447377" y="1905000"/>
+            <a:off x="2434688" y="1497675"/>
             <a:ext cx="751107" cy="346760"/>
           </a:xfrm>
           <a:prstGeom prst="rect">
@@ -5132,7 +5129,7 @@
         </p:nvSpPr>
         <p:spPr>
           <a:xfrm>
-            <a:off x="2453380" y="2432664"/>
+            <a:off x="2440691" y="2025339"/>
             <a:ext cx="726243" cy="174580"/>
           </a:xfrm>
           <a:prstGeom prst="rect">
@@ -5197,7 +5194,7 @@
         </p:nvGrpSpPr>
         <p:grpSpPr>
           <a:xfrm rot="5400000">
-            <a:off x="5581884" y="1962201"/>
+            <a:off x="5569195" y="1554876"/>
             <a:ext cx="254462" cy="555486"/>
             <a:chOff x="3949242" y="712012"/>
             <a:chExt cx="254462" cy="503902"/>
@@ -5302,7 +5299,7 @@
         </p:nvGrpSpPr>
         <p:grpSpPr>
           <a:xfrm rot="5400000">
-            <a:off x="5602942" y="2347569"/>
+            <a:off x="5590253" y="1940244"/>
             <a:ext cx="254462" cy="555486"/>
             <a:chOff x="3949242" y="712012"/>
             <a:chExt cx="254462" cy="503902"/>
@@ -5407,7 +5404,7 @@
         </p:nvSpPr>
         <p:spPr>
           <a:xfrm>
-            <a:off x="2459489" y="2841725"/>
+            <a:off x="2446800" y="2434400"/>
             <a:ext cx="731636" cy="283820"/>
           </a:xfrm>
           <a:prstGeom prst="rect">
@@ -5472,7 +5469,7 @@
         </p:nvSpPr>
         <p:spPr>
           <a:xfrm>
-            <a:off x="2459489" y="3190882"/>
+            <a:off x="2446800" y="2783557"/>
             <a:ext cx="731636" cy="283820"/>
           </a:xfrm>
           <a:prstGeom prst="rect">
@@ -5539,7 +5536,7 @@
         </p:nvCxnSpPr>
         <p:spPr>
           <a:xfrm flipH="1">
-            <a:off x="3191125" y="2983635"/>
+            <a:off x="3178436" y="2576310"/>
             <a:ext cx="335164" cy="0"/>
           </a:xfrm>
           <a:prstGeom prst="straightConnector1">
@@ -5580,7 +5577,7 @@
         </p:nvCxnSpPr>
         <p:spPr>
           <a:xfrm flipH="1" flipV="1">
-            <a:off x="3198485" y="3297471"/>
+            <a:off x="3185796" y="2890146"/>
             <a:ext cx="327804" cy="5426"/>
           </a:xfrm>
           <a:prstGeom prst="straightConnector1">
@@ -5623,7 +5620,7 @@
         </p:nvCxnSpPr>
         <p:spPr>
           <a:xfrm rot="16200000" flipV="1">
-            <a:off x="2703664" y="2720082"/>
+            <a:off x="2690975" y="2312757"/>
             <a:ext cx="234481" cy="8806"/>
           </a:xfrm>
           <a:prstGeom prst="bentConnector3">
@@ -5667,7 +5664,7 @@
         </p:nvCxnSpPr>
         <p:spPr>
           <a:xfrm>
-            <a:off x="3179623" y="2078487"/>
+            <a:off x="3166934" y="1688837"/>
             <a:ext cx="346666" cy="0"/>
           </a:xfrm>
           <a:prstGeom prst="line">
@@ -5711,7 +5708,7 @@
         </p:nvCxnSpPr>
         <p:spPr>
           <a:xfrm rot="5400000">
-            <a:off x="2729265" y="2338998"/>
+            <a:off x="2716576" y="1931673"/>
             <a:ext cx="180904" cy="6429"/>
           </a:xfrm>
           <a:prstGeom prst="bentConnector3">
@@ -5755,7 +5752,7 @@
         </p:nvGrpSpPr>
         <p:grpSpPr>
           <a:xfrm rot="5400000">
-            <a:off x="3679811" y="3427112"/>
+            <a:off x="3715005" y="3058155"/>
             <a:ext cx="555486" cy="254462"/>
             <a:chOff x="3798139" y="875689"/>
             <a:chExt cx="555486" cy="230832"/>
@@ -5863,8 +5860,8 @@
         </p:nvCxnSpPr>
         <p:spPr>
           <a:xfrm rot="16200000" flipV="1">
-            <a:off x="6800332" y="3589275"/>
-            <a:ext cx="1142113" cy="222597"/>
+            <a:off x="6590324" y="3379268"/>
+            <a:ext cx="1549438" cy="235286"/>
           </a:xfrm>
           <a:prstGeom prst="bentConnector2">
             <a:avLst/>
@@ -5954,8 +5951,8 @@
         </p:nvCxnSpPr>
         <p:spPr>
           <a:xfrm rot="16200000" flipV="1">
-            <a:off x="7020455" y="3809398"/>
-            <a:ext cx="701867" cy="222597"/>
+            <a:off x="6810447" y="3599391"/>
+            <a:ext cx="1109192" cy="235286"/>
           </a:xfrm>
           <a:prstGeom prst="bentConnector2">
             <a:avLst/>
@@ -5991,8 +5988,8 @@
         </p:nvCxnSpPr>
         <p:spPr>
           <a:xfrm rot="16200000" flipV="1">
-            <a:off x="6599723" y="3388666"/>
-            <a:ext cx="1543330" cy="222597"/>
+            <a:off x="6389716" y="3178660"/>
+            <a:ext cx="1950655" cy="235286"/>
           </a:xfrm>
           <a:prstGeom prst="bentConnector2">
             <a:avLst/>
@@ -6028,8 +6025,8 @@
         </p:nvCxnSpPr>
         <p:spPr>
           <a:xfrm rot="16200000" flipV="1">
-            <a:off x="6393778" y="3182721"/>
-            <a:ext cx="1949083" cy="228735"/>
+            <a:off x="6183770" y="2972714"/>
+            <a:ext cx="2356408" cy="241424"/>
           </a:xfrm>
           <a:prstGeom prst="bentConnector2">
             <a:avLst/>
@@ -6065,8 +6062,8 @@
         </p:nvCxnSpPr>
         <p:spPr>
           <a:xfrm flipV="1">
-            <a:off x="3830325" y="3150962"/>
-            <a:ext cx="474354" cy="1342418"/>
+            <a:off x="3830325" y="2743637"/>
+            <a:ext cx="461665" cy="1749743"/>
           </a:xfrm>
           <a:prstGeom prst="bentConnector3">
             <a:avLst>
@@ -6111,8 +6108,8 @@
         </p:nvCxnSpPr>
         <p:spPr>
           <a:xfrm flipV="1">
-            <a:off x="3830325" y="2728717"/>
-            <a:ext cx="474356" cy="1764663"/>
+            <a:off x="3830325" y="2321392"/>
+            <a:ext cx="461667" cy="2171988"/>
           </a:xfrm>
           <a:prstGeom prst="bentConnector3">
             <a:avLst>
@@ -6157,8 +6154,8 @@
         </p:nvCxnSpPr>
         <p:spPr>
           <a:xfrm flipV="1">
-            <a:off x="3830325" y="2322317"/>
-            <a:ext cx="474356" cy="2171063"/>
+            <a:off x="3830325" y="1914992"/>
+            <a:ext cx="461667" cy="2578388"/>
           </a:xfrm>
           <a:prstGeom prst="bentConnector3">
             <a:avLst>
@@ -6203,7 +6200,7 @@
         </p:nvCxnSpPr>
         <p:spPr>
           <a:xfrm flipV="1">
-            <a:off x="5398316" y="2728300"/>
+            <a:off x="5385627" y="2320975"/>
             <a:ext cx="768138" cy="417"/>
           </a:xfrm>
           <a:prstGeom prst="bentConnector3">
@@ -6249,7 +6246,7 @@
         </p:nvCxnSpPr>
         <p:spPr>
           <a:xfrm>
-            <a:off x="5398316" y="2322317"/>
+            <a:off x="5385627" y="1914992"/>
             <a:ext cx="762000" cy="230"/>
           </a:xfrm>
           <a:prstGeom prst="bentConnector3">
@@ -6292,7 +6289,7 @@
         </p:nvCxnSpPr>
         <p:spPr>
           <a:xfrm>
-            <a:off x="3526289" y="2078487"/>
+            <a:off x="3513600" y="1671162"/>
             <a:ext cx="0" cy="1218984"/>
           </a:xfrm>
           <a:prstGeom prst="line">
@@ -6333,7 +6330,7 @@
         </p:nvCxnSpPr>
         <p:spPr>
           <a:xfrm>
-            <a:off x="3534761" y="2209800"/>
+            <a:off x="3522072" y="1802475"/>
             <a:ext cx="769918" cy="0"/>
           </a:xfrm>
           <a:prstGeom prst="line">
@@ -6374,7 +6371,7 @@
         </p:nvCxnSpPr>
         <p:spPr>
           <a:xfrm>
-            <a:off x="3526289" y="2607244"/>
+            <a:off x="3513600" y="2199919"/>
             <a:ext cx="769918" cy="0"/>
           </a:xfrm>
           <a:prstGeom prst="line">
@@ -6415,7 +6412,7 @@
         </p:nvCxnSpPr>
         <p:spPr>
           <a:xfrm>
-            <a:off x="3526289" y="3048000"/>
+            <a:off x="3513600" y="2640675"/>
             <a:ext cx="769918" cy="0"/>
           </a:xfrm>
           <a:prstGeom prst="line">
@@ -6456,8 +6453,8 @@
         </p:nvSpPr>
         <p:spPr>
           <a:xfrm flipH="1">
-            <a:off x="4306821" y="3939188"/>
-            <a:ext cx="1093635" cy="346760"/>
+            <a:off x="2280496" y="3822735"/>
+            <a:ext cx="1438612" cy="330193"/>
           </a:xfrm>
           <a:prstGeom prst="rect">
             <a:avLst/>
@@ -6493,9 +6490,9 @@
                   <a:schemeClr val="bg1"/>
                 </a:solidFill>
               </a:rPr>
-              <a:t>DateTimeParser</a:t>
-            </a:r>
-            <a:endParaRPr lang="en-SG" sz="1050" b="1" dirty="0">
+              <a:t>DateTimeManager</a:t>
+            </a:r>
+            <a:endParaRPr lang="en-US" sz="1050" b="1" dirty="0" smtClean="0">
               <a:solidFill>
                 <a:schemeClr val="bg1"/>
               </a:solidFill>
@@ -6507,19 +6504,17 @@
         <p:nvCxnSpPr>
           <p:cNvPr id="123" name="Elbow Connector 106"/>
           <p:cNvCxnSpPr>
-            <a:endCxn id="76" idx="3"/>
+            <a:stCxn id="5" idx="0"/>
           </p:cNvCxnSpPr>
           <p:nvPr/>
         </p:nvCxnSpPr>
         <p:spPr>
-          <a:xfrm flipV="1">
-            <a:off x="1742322" y="4112568"/>
-            <a:ext cx="2564499" cy="230832"/>
-          </a:xfrm>
-          <a:prstGeom prst="bentConnector3">
-            <a:avLst>
-              <a:gd name="adj1" fmla="val 12044"/>
-            </a:avLst>
+          <a:xfrm rot="5400000" flipH="1" flipV="1">
+            <a:off x="1897874" y="3935803"/>
+            <a:ext cx="181402" cy="583845"/>
+          </a:xfrm>
+          <a:prstGeom prst="bentConnector2">
+            <a:avLst/>
           </a:prstGeom>
           <a:ln w="19050">
             <a:solidFill>
@@ -6554,7 +6549,7 @@
         </p:nvSpPr>
         <p:spPr>
           <a:xfrm>
-            <a:off x="2078489" y="4112568"/>
+            <a:off x="1477883" y="4085055"/>
             <a:ext cx="131116" cy="230832"/>
           </a:xfrm>
           <a:prstGeom prst="rect">
@@ -6593,7 +6588,7 @@
         </p:nvSpPr>
         <p:spPr>
           <a:xfrm>
-            <a:off x="2298836" y="1340991"/>
+            <a:off x="2298836" y="904019"/>
             <a:ext cx="1093635" cy="346760"/>
           </a:xfrm>
           <a:prstGeom prst="rect">
@@ -6654,8 +6649,8 @@
         </p:nvCxnSpPr>
         <p:spPr>
           <a:xfrm rot="5400000" flipH="1" flipV="1">
-            <a:off x="711781" y="2684895"/>
-            <a:ext cx="2757578" cy="416531"/>
+            <a:off x="423844" y="2578697"/>
+            <a:ext cx="3376289" cy="373695"/>
           </a:xfrm>
           <a:prstGeom prst="bentConnector2">
             <a:avLst/>
@@ -6693,7 +6688,7 @@
         </p:nvSpPr>
         <p:spPr>
           <a:xfrm>
-            <a:off x="1971015" y="1616273"/>
+            <a:off x="2106535" y="1127521"/>
             <a:ext cx="131116" cy="230832"/>
           </a:xfrm>
           <a:prstGeom prst="rect">
@@ -6727,17 +6722,19 @@
       <p:cxnSp>
         <p:nvCxnSpPr>
           <p:cNvPr id="145" name="Elbow Connector 63"/>
-          <p:cNvCxnSpPr/>
+          <p:cNvCxnSpPr>
+            <a:endCxn id="76" idx="1"/>
+          </p:cNvCxnSpPr>
           <p:nvPr/>
         </p:nvCxnSpPr>
         <p:spPr>
           <a:xfrm rot="10800000">
-            <a:off x="5398315" y="4112571"/>
-            <a:ext cx="1668313" cy="520185"/>
+            <a:off x="3719109" y="3987833"/>
+            <a:ext cx="3347521" cy="644925"/>
           </a:xfrm>
           <a:prstGeom prst="bentConnector3">
             <a:avLst>
-              <a:gd name="adj1" fmla="val 50000"/>
+              <a:gd name="adj1" fmla="val 82208"/>
             </a:avLst>
           </a:prstGeom>
           <a:ln w="19050">
@@ -6773,7 +6770,7 @@
         </p:nvSpPr>
         <p:spPr>
           <a:xfrm rot="16200000">
-            <a:off x="3363710" y="1419091"/>
+            <a:off x="3363364" y="997502"/>
             <a:ext cx="270504" cy="175523"/>
           </a:xfrm>
           <a:prstGeom prst="triangle">
@@ -6827,7 +6824,7 @@
         </p:nvCxnSpPr>
         <p:spPr>
           <a:xfrm rot="5400000">
-            <a:off x="4022291" y="1053703"/>
+            <a:off x="4022292" y="600485"/>
             <a:ext cx="15455" cy="887283"/>
           </a:xfrm>
           <a:prstGeom prst="bentConnector2">
@@ -6866,7 +6863,7 @@
         </p:nvSpPr>
         <p:spPr>
           <a:xfrm>
-            <a:off x="3886200" y="1265676"/>
+            <a:off x="3886200" y="828704"/>
             <a:ext cx="1504253" cy="346760"/>
           </a:xfrm>
           <a:prstGeom prst="rect">
@@ -6924,11 +6921,6 @@
               </a:rPr>
               <a:t>Undo</a:t>
             </a:r>
-            <a:endParaRPr lang="en-US" sz="1050" dirty="0" smtClean="0">
-              <a:solidFill>
-                <a:schemeClr val="bg1"/>
-              </a:solidFill>
-            </a:endParaRPr>
           </a:p>
         </p:txBody>
       </p:sp>
@@ -7000,7 +6992,7 @@
         </p:nvSpPr>
         <p:spPr>
           <a:xfrm>
-            <a:off x="6007916" y="1197943"/>
+            <a:off x="6007916" y="760971"/>
             <a:ext cx="1472140" cy="346760"/>
           </a:xfrm>
           <a:prstGeom prst="rect">
@@ -7059,7 +7051,7 @@
         </p:nvSpPr>
         <p:spPr>
           <a:xfrm>
-            <a:off x="3892091" y="1704777"/>
+            <a:off x="3892091" y="1267805"/>
             <a:ext cx="1498362" cy="346760"/>
           </a:xfrm>
           <a:prstGeom prst="rect">
@@ -7133,7 +7125,7 @@
         </p:nvSpPr>
         <p:spPr>
           <a:xfrm>
-            <a:off x="6007916" y="1667469"/>
+            <a:off x="6007916" y="1230497"/>
             <a:ext cx="1688284" cy="346760"/>
           </a:xfrm>
           <a:prstGeom prst="rect">
@@ -7192,7 +7184,7 @@
         </p:nvCxnSpPr>
         <p:spPr>
           <a:xfrm rot="5400000">
-            <a:off x="5390586" y="1413640"/>
+            <a:off x="5498846" y="976188"/>
             <a:ext cx="15455" cy="887283"/>
           </a:xfrm>
           <a:prstGeom prst="bentConnector2">
@@ -7231,7 +7223,7 @@
         </p:nvSpPr>
         <p:spPr>
           <a:xfrm rot="5400000">
-            <a:off x="5766831" y="1779448"/>
+            <a:off x="5807786" y="1315579"/>
             <a:ext cx="270504" cy="175523"/>
           </a:xfrm>
           <a:prstGeom prst="triangle">
@@ -7285,7 +7277,7 @@
         </p:nvCxnSpPr>
         <p:spPr>
           <a:xfrm>
-            <a:off x="7696200" y="1828800"/>
+            <a:off x="7696200" y="1403340"/>
             <a:ext cx="735539" cy="0"/>
           </a:xfrm>
           <a:prstGeom prst="straightConnector1">
@@ -7325,7 +7317,7 @@
         </p:nvCxnSpPr>
         <p:spPr>
           <a:xfrm flipV="1">
-            <a:off x="7480056" y="1368608"/>
+            <a:off x="7480056" y="931636"/>
             <a:ext cx="951683" cy="2715"/>
           </a:xfrm>
           <a:prstGeom prst="straightConnector1">
@@ -7355,6 +7347,551 @@
           </a:fontRef>
         </p:style>
       </p:cxnSp>
+      <p:sp>
+        <p:nvSpPr>
+          <p:cNvPr id="85" name="Rectangle 84"/>
+          <p:cNvSpPr/>
+          <p:nvPr/>
+        </p:nvSpPr>
+        <p:spPr>
+          <a:xfrm flipH="1">
+            <a:off x="2330344" y="3244725"/>
+            <a:ext cx="1278268" cy="436099"/>
+          </a:xfrm>
+          <a:prstGeom prst="rect">
+            <a:avLst/>
+          </a:prstGeom>
+          <a:solidFill>
+            <a:schemeClr val="accent5"/>
+          </a:solidFill>
+          <a:ln/>
+          <a:effectLst/>
+        </p:spPr>
+        <p:style>
+          <a:lnRef idx="1">
+            <a:schemeClr val="accent5"/>
+          </a:lnRef>
+          <a:fillRef idx="2">
+            <a:schemeClr val="accent5"/>
+          </a:fillRef>
+          <a:effectRef idx="1">
+            <a:schemeClr val="accent5"/>
+          </a:effectRef>
+          <a:fontRef idx="minor">
+            <a:schemeClr val="dk1"/>
+          </a:fontRef>
+        </p:style>
+        <p:txBody>
+          <a:bodyPr rtlCol="0" anchor="ctr"/>
+          <a:lstStyle/>
+          <a:p>
+            <a:pPr algn="ctr"/>
+            <a:r>
+              <a:rPr lang="en-US" sz="1050" b="1" dirty="0" smtClean="0">
+                <a:solidFill>
+                  <a:schemeClr val="bg1"/>
+                </a:solidFill>
+              </a:rPr>
+              <a:t>&lt;&lt;interface&gt;&gt;</a:t>
+            </a:r>
+          </a:p>
+          <a:p>
+            <a:pPr algn="ctr"/>
+            <a:r>
+              <a:rPr lang="en-US" sz="1050" b="1" dirty="0" err="1" smtClean="0">
+                <a:solidFill>
+                  <a:schemeClr val="bg1"/>
+                </a:solidFill>
+              </a:rPr>
+              <a:t>DateTimeParser</a:t>
+            </a:r>
+            <a:endParaRPr lang="en-SG" sz="1050" b="1" dirty="0">
+              <a:solidFill>
+                <a:schemeClr val="bg1"/>
+              </a:solidFill>
+            </a:endParaRPr>
+          </a:p>
+        </p:txBody>
+      </p:sp>
+      <p:cxnSp>
+        <p:nvCxnSpPr>
+          <p:cNvPr id="106" name="Elbow Connector 63"/>
+          <p:cNvCxnSpPr>
+            <a:endCxn id="85" idx="3"/>
+          </p:cNvCxnSpPr>
+          <p:nvPr/>
+        </p:nvCxnSpPr>
+        <p:spPr>
+          <a:xfrm rot="5400000" flipH="1" flipV="1">
+            <a:off x="1983119" y="3510947"/>
+            <a:ext cx="395397" cy="299054"/>
+          </a:xfrm>
+          <a:prstGeom prst="bentConnector2">
+            <a:avLst/>
+          </a:prstGeom>
+          <a:ln w="19050">
+            <a:solidFill>
+              <a:srgbClr val="0070C0"/>
+            </a:solidFill>
+            <a:prstDash val="sysDot"/>
+            <a:headEnd type="none" w="med" len="med"/>
+            <a:tailEnd type="none" w="med" len="med"/>
+          </a:ln>
+          <a:effectLst/>
+        </p:spPr>
+        <p:style>
+          <a:lnRef idx="1">
+            <a:schemeClr val="accent2"/>
+          </a:lnRef>
+          <a:fillRef idx="2">
+            <a:schemeClr val="accent2"/>
+          </a:fillRef>
+          <a:effectRef idx="1">
+            <a:schemeClr val="accent2"/>
+          </a:effectRef>
+          <a:fontRef idx="minor">
+            <a:schemeClr val="dk1"/>
+          </a:fontRef>
+        </p:style>
+      </p:cxnSp>
+      <p:cxnSp>
+        <p:nvCxnSpPr>
+          <p:cNvPr id="108" name="Elbow Connector 63"/>
+          <p:cNvCxnSpPr>
+            <a:stCxn id="76" idx="3"/>
+          </p:cNvCxnSpPr>
+          <p:nvPr/>
+        </p:nvCxnSpPr>
+        <p:spPr>
+          <a:xfrm rot="10800000">
+            <a:off x="2031290" y="3858174"/>
+            <a:ext cx="249206" cy="129659"/>
+          </a:xfrm>
+          <a:prstGeom prst="bentConnector3">
+            <a:avLst>
+              <a:gd name="adj1" fmla="val 50000"/>
+            </a:avLst>
+          </a:prstGeom>
+          <a:ln w="19050">
+            <a:solidFill>
+              <a:srgbClr val="0070C0"/>
+            </a:solidFill>
+            <a:prstDash val="sysDot"/>
+            <a:headEnd type="none" w="med" len="med"/>
+            <a:tailEnd type="none" w="med" len="med"/>
+          </a:ln>
+          <a:effectLst/>
+        </p:spPr>
+        <p:style>
+          <a:lnRef idx="1">
+            <a:schemeClr val="accent2"/>
+          </a:lnRef>
+          <a:fillRef idx="2">
+            <a:schemeClr val="accent2"/>
+          </a:fillRef>
+          <a:effectRef idx="1">
+            <a:schemeClr val="accent2"/>
+          </a:effectRef>
+          <a:fontRef idx="minor">
+            <a:schemeClr val="dk1"/>
+          </a:fontRef>
+        </p:style>
+      </p:cxnSp>
+      <p:sp>
+        <p:nvSpPr>
+          <p:cNvPr id="112" name="Isosceles Triangle 102"/>
+          <p:cNvSpPr/>
+          <p:nvPr/>
+        </p:nvSpPr>
+        <p:spPr>
+          <a:xfrm rot="5400000">
+            <a:off x="2098917" y="3353044"/>
+            <a:ext cx="270504" cy="175523"/>
+          </a:xfrm>
+          <a:prstGeom prst="triangle">
+            <a:avLst/>
+          </a:prstGeom>
+          <a:solidFill>
+            <a:schemeClr val="tx2">
+              <a:lumMod val="60000"/>
+              <a:lumOff val="40000"/>
+            </a:schemeClr>
+          </a:solidFill>
+          <a:ln w="19050">
+            <a:solidFill>
+              <a:srgbClr val="0070C0"/>
+            </a:solidFill>
+          </a:ln>
+          <a:effectLst/>
+        </p:spPr>
+        <p:style>
+          <a:lnRef idx="1">
+            <a:schemeClr val="accent1"/>
+          </a:lnRef>
+          <a:fillRef idx="2">
+            <a:schemeClr val="accent1"/>
+          </a:fillRef>
+          <a:effectRef idx="1">
+            <a:schemeClr val="accent1"/>
+          </a:effectRef>
+          <a:fontRef idx="minor">
+            <a:schemeClr val="dk1"/>
+          </a:fontRef>
+        </p:style>
+        <p:txBody>
+          <a:bodyPr rtlCol="0" anchor="ctr"/>
+          <a:lstStyle/>
+          <a:p>
+            <a:pPr algn="ctr"/>
+            <a:endParaRPr lang="en-SG" sz="1050" b="1">
+              <a:solidFill>
+                <a:srgbClr val="92D050"/>
+              </a:solidFill>
+            </a:endParaRPr>
+          </a:p>
+        </p:txBody>
+      </p:sp>
+      <p:sp>
+        <p:nvSpPr>
+          <p:cNvPr id="114" name="Rectangle 113"/>
+          <p:cNvSpPr/>
+          <p:nvPr/>
+        </p:nvSpPr>
+        <p:spPr>
+          <a:xfrm flipH="1">
+            <a:off x="4755577" y="3905667"/>
+            <a:ext cx="1438612" cy="330193"/>
+          </a:xfrm>
+          <a:prstGeom prst="rect">
+            <a:avLst/>
+          </a:prstGeom>
+          <a:solidFill>
+            <a:schemeClr val="accent5"/>
+          </a:solidFill>
+          <a:ln/>
+          <a:effectLst/>
+        </p:spPr>
+        <p:style>
+          <a:lnRef idx="1">
+            <a:schemeClr val="accent5"/>
+          </a:lnRef>
+          <a:fillRef idx="2">
+            <a:schemeClr val="accent5"/>
+          </a:fillRef>
+          <a:effectRef idx="1">
+            <a:schemeClr val="accent5"/>
+          </a:effectRef>
+          <a:fontRef idx="minor">
+            <a:schemeClr val="dk1"/>
+          </a:fontRef>
+        </p:style>
+        <p:txBody>
+          <a:bodyPr rtlCol="0" anchor="ctr"/>
+          <a:lstStyle/>
+          <a:p>
+            <a:pPr algn="ctr"/>
+            <a:r>
+              <a:rPr lang="en-US" sz="1050" b="1" dirty="0" err="1" smtClean="0">
+                <a:solidFill>
+                  <a:schemeClr val="bg1"/>
+                </a:solidFill>
+              </a:rPr>
+              <a:t>RecurrenceManager</a:t>
+            </a:r>
+            <a:endParaRPr lang="en-US" sz="1050" b="1" dirty="0" smtClean="0">
+              <a:solidFill>
+                <a:schemeClr val="bg1"/>
+              </a:solidFill>
+            </a:endParaRPr>
+          </a:p>
+        </p:txBody>
+      </p:sp>
+      <p:sp>
+        <p:nvSpPr>
+          <p:cNvPr id="115" name="Rectangle 114"/>
+          <p:cNvSpPr/>
+          <p:nvPr/>
+        </p:nvSpPr>
+        <p:spPr>
+          <a:xfrm flipH="1">
+            <a:off x="4268643" y="3292587"/>
+            <a:ext cx="1278268" cy="436099"/>
+          </a:xfrm>
+          <a:prstGeom prst="rect">
+            <a:avLst/>
+          </a:prstGeom>
+          <a:solidFill>
+            <a:schemeClr val="accent5"/>
+          </a:solidFill>
+          <a:ln/>
+          <a:effectLst/>
+        </p:spPr>
+        <p:style>
+          <a:lnRef idx="1">
+            <a:schemeClr val="accent5"/>
+          </a:lnRef>
+          <a:fillRef idx="2">
+            <a:schemeClr val="accent5"/>
+          </a:fillRef>
+          <a:effectRef idx="1">
+            <a:schemeClr val="accent5"/>
+          </a:effectRef>
+          <a:fontRef idx="minor">
+            <a:schemeClr val="dk1"/>
+          </a:fontRef>
+        </p:style>
+        <p:txBody>
+          <a:bodyPr rtlCol="0" anchor="ctr"/>
+          <a:lstStyle/>
+          <a:p>
+            <a:pPr algn="ctr"/>
+            <a:r>
+              <a:rPr lang="en-US" sz="1050" b="1" dirty="0" smtClean="0">
+                <a:solidFill>
+                  <a:schemeClr val="bg1"/>
+                </a:solidFill>
+              </a:rPr>
+              <a:t>&lt;&lt;interface&gt;&gt;</a:t>
+            </a:r>
+          </a:p>
+          <a:p>
+            <a:pPr algn="ctr"/>
+            <a:r>
+              <a:rPr lang="en-US" sz="1050" b="1" dirty="0" err="1" smtClean="0">
+                <a:solidFill>
+                  <a:schemeClr val="bg1"/>
+                </a:solidFill>
+              </a:rPr>
+              <a:t>RecurrenceParser</a:t>
+            </a:r>
+            <a:endParaRPr lang="en-SG" sz="1050" b="1" dirty="0">
+              <a:solidFill>
+                <a:schemeClr val="bg1"/>
+              </a:solidFill>
+            </a:endParaRPr>
+          </a:p>
+        </p:txBody>
+      </p:sp>
+      <p:cxnSp>
+        <p:nvCxnSpPr>
+          <p:cNvPr id="117" name="Elbow Connector 63"/>
+          <p:cNvCxnSpPr>
+            <a:endCxn id="114" idx="1"/>
+          </p:cNvCxnSpPr>
+          <p:nvPr/>
+        </p:nvCxnSpPr>
+        <p:spPr>
+          <a:xfrm rot="10800000">
+            <a:off x="6194190" y="4070765"/>
+            <a:ext cx="855245" cy="660583"/>
+          </a:xfrm>
+          <a:prstGeom prst="bentConnector3">
+            <a:avLst>
+              <a:gd name="adj1" fmla="val 50000"/>
+            </a:avLst>
+          </a:prstGeom>
+          <a:ln w="19050">
+            <a:solidFill>
+              <a:srgbClr val="0070C0"/>
+            </a:solidFill>
+            <a:prstDash val="sysDot"/>
+            <a:headEnd type="none" w="med" len="med"/>
+            <a:tailEnd type="arrow" w="med" len="med"/>
+          </a:ln>
+          <a:effectLst/>
+        </p:spPr>
+        <p:style>
+          <a:lnRef idx="1">
+            <a:schemeClr val="accent2"/>
+          </a:lnRef>
+          <a:fillRef idx="2">
+            <a:schemeClr val="accent2"/>
+          </a:fillRef>
+          <a:effectRef idx="1">
+            <a:schemeClr val="accent2"/>
+          </a:effectRef>
+          <a:fontRef idx="minor">
+            <a:schemeClr val="dk1"/>
+          </a:fontRef>
+        </p:style>
+      </p:cxnSp>
+      <p:cxnSp>
+        <p:nvCxnSpPr>
+          <p:cNvPr id="121" name="Elbow Connector 106"/>
+          <p:cNvCxnSpPr>
+            <a:endCxn id="114" idx="3"/>
+          </p:cNvCxnSpPr>
+          <p:nvPr/>
+        </p:nvCxnSpPr>
+        <p:spPr>
+          <a:xfrm flipV="1">
+            <a:off x="2244873" y="4070764"/>
+            <a:ext cx="2510704" cy="330087"/>
+          </a:xfrm>
+          <a:prstGeom prst="bentConnector3">
+            <a:avLst>
+              <a:gd name="adj1" fmla="val 89682"/>
+            </a:avLst>
+          </a:prstGeom>
+          <a:ln w="19050">
+            <a:solidFill>
+              <a:srgbClr val="0070C0"/>
+            </a:solidFill>
+            <a:prstDash val="solid"/>
+            <a:headEnd type="none" w="med" len="med"/>
+            <a:tailEnd type="arrow" w="med" len="med"/>
+          </a:ln>
+          <a:effectLst/>
+        </p:spPr>
+        <p:style>
+          <a:lnRef idx="1">
+            <a:schemeClr val="accent2"/>
+          </a:lnRef>
+          <a:fillRef idx="2">
+            <a:schemeClr val="accent2"/>
+          </a:fillRef>
+          <a:effectRef idx="1">
+            <a:schemeClr val="accent2"/>
+          </a:effectRef>
+          <a:fontRef idx="minor">
+            <a:schemeClr val="dk1"/>
+          </a:fontRef>
+        </p:style>
+      </p:cxnSp>
+      <p:sp>
+        <p:nvSpPr>
+          <p:cNvPr id="127" name="TextBox 126"/>
+          <p:cNvSpPr txBox="1"/>
+          <p:nvPr/>
+        </p:nvSpPr>
+        <p:spPr>
+          <a:xfrm>
+            <a:off x="2229379" y="4216284"/>
+            <a:ext cx="131116" cy="230832"/>
+          </a:xfrm>
+          <a:prstGeom prst="rect">
+            <a:avLst/>
+          </a:prstGeom>
+          <a:noFill/>
+        </p:spPr>
+        <p:txBody>
+          <a:bodyPr wrap="square" lIns="0" tIns="0" rIns="0" bIns="0" rtlCol="0">
+            <a:noAutofit/>
+          </a:bodyPr>
+          <a:lstStyle/>
+          <a:p>
+            <a:pPr algn="r"/>
+            <a:r>
+              <a:rPr lang="en-US" sz="1100" dirty="0">
+                <a:solidFill>
+                  <a:srgbClr val="0070C0"/>
+                </a:solidFill>
+              </a:rPr>
+              <a:t>1</a:t>
+            </a:r>
+            <a:endParaRPr lang="en-SG" sz="1100" dirty="0">
+              <a:solidFill>
+                <a:srgbClr val="0070C0"/>
+              </a:solidFill>
+            </a:endParaRPr>
+          </a:p>
+        </p:txBody>
+      </p:sp>
+      <p:cxnSp>
+        <p:nvCxnSpPr>
+          <p:cNvPr id="128" name="Elbow Connector 63"/>
+          <p:cNvCxnSpPr>
+            <a:endCxn id="115" idx="1"/>
+          </p:cNvCxnSpPr>
+          <p:nvPr/>
+        </p:nvCxnSpPr>
+        <p:spPr>
+          <a:xfrm rot="16200000" flipV="1">
+            <a:off x="5537640" y="3519909"/>
+            <a:ext cx="383147" cy="364604"/>
+          </a:xfrm>
+          <a:prstGeom prst="bentConnector2">
+            <a:avLst/>
+          </a:prstGeom>
+          <a:ln w="19050">
+            <a:solidFill>
+              <a:srgbClr val="0070C0"/>
+            </a:solidFill>
+            <a:prstDash val="sysDot"/>
+            <a:headEnd type="none" w="med" len="med"/>
+            <a:tailEnd type="none" w="med" len="med"/>
+          </a:ln>
+          <a:effectLst/>
+        </p:spPr>
+        <p:style>
+          <a:lnRef idx="1">
+            <a:schemeClr val="accent2"/>
+          </a:lnRef>
+          <a:fillRef idx="2">
+            <a:schemeClr val="accent2"/>
+          </a:fillRef>
+          <a:effectRef idx="1">
+            <a:schemeClr val="accent2"/>
+          </a:effectRef>
+          <a:fontRef idx="minor">
+            <a:schemeClr val="dk1"/>
+          </a:fontRef>
+        </p:style>
+      </p:cxnSp>
+      <p:sp>
+        <p:nvSpPr>
+          <p:cNvPr id="132" name="Isosceles Triangle 102"/>
+          <p:cNvSpPr/>
+          <p:nvPr/>
+        </p:nvSpPr>
+        <p:spPr>
+          <a:xfrm rot="16200000">
+            <a:off x="5509411" y="3426824"/>
+            <a:ext cx="270504" cy="175523"/>
+          </a:xfrm>
+          <a:prstGeom prst="triangle">
+            <a:avLst/>
+          </a:prstGeom>
+          <a:solidFill>
+            <a:schemeClr val="tx2">
+              <a:lumMod val="60000"/>
+              <a:lumOff val="40000"/>
+            </a:schemeClr>
+          </a:solidFill>
+          <a:ln w="19050">
+            <a:solidFill>
+              <a:srgbClr val="0070C0"/>
+            </a:solidFill>
+          </a:ln>
+          <a:effectLst/>
+        </p:spPr>
+        <p:style>
+          <a:lnRef idx="1">
+            <a:schemeClr val="accent1"/>
+          </a:lnRef>
+          <a:fillRef idx="2">
+            <a:schemeClr val="accent1"/>
+          </a:fillRef>
+          <a:effectRef idx="1">
+            <a:schemeClr val="accent1"/>
+          </a:effectRef>
+          <a:fontRef idx="minor">
+            <a:schemeClr val="dk1"/>
+          </a:fontRef>
+        </p:style>
+        <p:txBody>
+          <a:bodyPr rtlCol="0" anchor="ctr"/>
+          <a:lstStyle/>
+          <a:p>
+            <a:pPr algn="ctr"/>
+            <a:endParaRPr lang="en-SG" sz="1050" b="1">
+              <a:solidFill>
+                <a:srgbClr val="92D050"/>
+              </a:solidFill>
+            </a:endParaRPr>
+          </a:p>
+        </p:txBody>
+      </p:sp>
     </p:spTree>
     <p:extLst>
       <p:ext uri="{BB962C8B-B14F-4D97-AF65-F5344CB8AC3E}">

--- a/docs/diagrams/LogicComponentClassDiagram.pptx
+++ b/docs/diagrams/LogicComponentClassDiagram.pptx
@@ -3472,8 +3472,8 @@
         </p:nvSpPr>
         <p:spPr>
           <a:xfrm>
-            <a:off x="567791" y="243671"/>
-            <a:ext cx="7627218" cy="4949097"/>
+            <a:off x="567791" y="159935"/>
+            <a:ext cx="7627218" cy="5116569"/>
           </a:xfrm>
           <a:prstGeom prst="roundRect">
             <a:avLst>
@@ -3794,8 +3794,8 @@
         </p:nvSpPr>
         <p:spPr>
           <a:xfrm>
-            <a:off x="729303" y="5350569"/>
-            <a:ext cx="7431315" cy="328045"/>
+            <a:off x="567791" y="5350569"/>
+            <a:ext cx="8196417" cy="328045"/>
           </a:xfrm>
           <a:prstGeom prst="roundRect">
             <a:avLst/>
@@ -4393,7 +4393,7 @@
         </p:nvCxnSpPr>
         <p:spPr>
           <a:xfrm>
-            <a:off x="533400" y="2832505"/>
+            <a:off x="437908" y="2689227"/>
             <a:ext cx="419548" cy="2860"/>
           </a:xfrm>
           <a:prstGeom prst="bentConnector3">
@@ -6453,8 +6453,8 @@
         </p:nvSpPr>
         <p:spPr>
           <a:xfrm flipH="1">
-            <a:off x="2280496" y="3822735"/>
-            <a:ext cx="1438612" cy="330193"/>
+            <a:off x="2295797" y="3681631"/>
+            <a:ext cx="1438612" cy="443888"/>
           </a:xfrm>
           <a:prstGeom prst="rect">
             <a:avLst/>
@@ -6485,12 +6485,23 @@
           <a:p>
             <a:pPr algn="ctr"/>
             <a:r>
+              <a:rPr lang="en-US" sz="1050" b="1" dirty="0" smtClean="0">
+                <a:solidFill>
+                  <a:schemeClr val="bg1"/>
+                </a:solidFill>
+              </a:rPr>
+              <a:t>&lt;&lt;interface&gt;&gt;</a:t>
+            </a:r>
+          </a:p>
+          <a:p>
+            <a:pPr algn="ctr"/>
+            <a:r>
               <a:rPr lang="en-US" sz="1050" b="1" dirty="0" err="1" smtClean="0">
                 <a:solidFill>
                   <a:schemeClr val="bg1"/>
                 </a:solidFill>
               </a:rPr>
-              <a:t>DateTimeManager</a:t>
+              <a:t>DateTimeParser</a:t>
             </a:r>
             <a:endParaRPr lang="en-US" sz="1050" b="1" dirty="0" smtClean="0">
               <a:solidFill>
@@ -6510,8 +6521,8 @@
         </p:nvCxnSpPr>
         <p:spPr>
           <a:xfrm rot="5400000" flipH="1" flipV="1">
-            <a:off x="1897874" y="3935803"/>
-            <a:ext cx="181402" cy="583845"/>
+            <a:off x="1905209" y="3924798"/>
+            <a:ext cx="185072" cy="602185"/>
           </a:xfrm>
           <a:prstGeom prst="bentConnector2">
             <a:avLst/>
@@ -6729,12 +6740,12 @@
         </p:nvCxnSpPr>
         <p:spPr>
           <a:xfrm rot="10800000">
-            <a:off x="3719109" y="3987833"/>
-            <a:ext cx="3347521" cy="644925"/>
+            <a:off x="3734410" y="3903575"/>
+            <a:ext cx="3347525" cy="701774"/>
           </a:xfrm>
           <a:prstGeom prst="bentConnector3">
             <a:avLst>
-              <a:gd name="adj1" fmla="val 82208"/>
+              <a:gd name="adj1" fmla="val 50000"/>
             </a:avLst>
           </a:prstGeom>
           <a:ln w="19050">
@@ -6992,8 +7003,8 @@
         </p:nvSpPr>
         <p:spPr>
           <a:xfrm>
-            <a:off x="6007916" y="760971"/>
-            <a:ext cx="1472140" cy="346760"/>
+            <a:off x="6438097" y="759571"/>
+            <a:ext cx="1562902" cy="346760"/>
           </a:xfrm>
           <a:prstGeom prst="rect">
             <a:avLst/>
@@ -7028,7 +7039,7 @@
           <a:p>
             <a:pPr algn="ctr"/>
             <a:r>
-              <a:rPr lang="en-US" sz="1050" smtClean="0">
+              <a:rPr lang="en-US" sz="1050" dirty="0" err="1" smtClean="0">
                 <a:solidFill>
                   <a:schemeClr val="bg1"/>
                 </a:solidFill>
@@ -7051,7 +7062,7 @@
         </p:nvSpPr>
         <p:spPr>
           <a:xfrm>
-            <a:off x="3892091" y="1267805"/>
+            <a:off x="5943142" y="1242225"/>
             <a:ext cx="1498362" cy="346760"/>
           </a:xfrm>
           <a:prstGeom prst="rect">
@@ -7125,7 +7136,7 @@
         </p:nvSpPr>
         <p:spPr>
           <a:xfrm>
-            <a:off x="6007916" y="1230497"/>
+            <a:off x="3703550" y="1284874"/>
             <a:ext cx="1688284" cy="346760"/>
           </a:xfrm>
           <a:prstGeom prst="rect">
@@ -7161,7 +7172,7 @@
           <a:p>
             <a:pPr algn="ctr"/>
             <a:r>
-              <a:rPr lang="en-US" sz="1050" smtClean="0">
+              <a:rPr lang="en-US" sz="1050" dirty="0" err="1" smtClean="0">
                 <a:solidFill>
                   <a:schemeClr val="bg1"/>
                 </a:solidFill>
@@ -7223,7 +7234,7 @@
         </p:nvSpPr>
         <p:spPr>
           <a:xfrm rot="5400000">
-            <a:off x="5807786" y="1315579"/>
+            <a:off x="5698820" y="1315128"/>
             <a:ext cx="270504" cy="175523"/>
           </a:xfrm>
           <a:prstGeom prst="triangle">
@@ -7272,13 +7283,15 @@
       <p:cxnSp>
         <p:nvCxnSpPr>
           <p:cNvPr id="160" name="Straight Arrow Connector 57"/>
-          <p:cNvCxnSpPr/>
+          <p:cNvCxnSpPr>
+            <a:endCxn id="154" idx="3"/>
+          </p:cNvCxnSpPr>
           <p:nvPr/>
         </p:nvCxnSpPr>
         <p:spPr>
-          <a:xfrm>
-            <a:off x="7696200" y="1403340"/>
-            <a:ext cx="735539" cy="0"/>
+          <a:xfrm flipH="1" flipV="1">
+            <a:off x="7441504" y="1415605"/>
+            <a:ext cx="994658" cy="4224"/>
           </a:xfrm>
           <a:prstGeom prst="straightConnector1">
             <a:avLst/>
@@ -7310,15 +7323,13 @@
       <p:cxnSp>
         <p:nvCxnSpPr>
           <p:cNvPr id="167" name="Straight Arrow Connector 57"/>
-          <p:cNvCxnSpPr>
-            <a:stCxn id="153" idx="3"/>
-          </p:cNvCxnSpPr>
+          <p:cNvCxnSpPr/>
           <p:nvPr/>
         </p:nvCxnSpPr>
         <p:spPr>
-          <a:xfrm flipV="1">
-            <a:off x="7480056" y="931636"/>
-            <a:ext cx="951683" cy="2715"/>
+          <a:xfrm flipH="1">
+            <a:off x="8001000" y="1006997"/>
+            <a:ext cx="435163" cy="0"/>
           </a:xfrm>
           <a:prstGeom prst="straightConnector1">
             <a:avLst/>
@@ -7355,8 +7366,8 @@
         </p:nvSpPr>
         <p:spPr>
           <a:xfrm flipH="1">
-            <a:off x="2330344" y="3244725"/>
-            <a:ext cx="1278268" cy="436099"/>
+            <a:off x="2330344" y="3244726"/>
+            <a:ext cx="1278268" cy="313676"/>
           </a:xfrm>
           <a:prstGeom prst="rect">
             <a:avLst/>
@@ -7387,23 +7398,12 @@
           <a:p>
             <a:pPr algn="ctr"/>
             <a:r>
-              <a:rPr lang="en-US" sz="1050" b="1" dirty="0" smtClean="0">
-                <a:solidFill>
-                  <a:schemeClr val="bg1"/>
-                </a:solidFill>
-              </a:rPr>
-              <a:t>&lt;&lt;interface&gt;&gt;</a:t>
-            </a:r>
-          </a:p>
-          <a:p>
-            <a:pPr algn="ctr"/>
-            <a:r>
               <a:rPr lang="en-US" sz="1050" b="1" dirty="0" err="1" smtClean="0">
                 <a:solidFill>
                   <a:schemeClr val="bg1"/>
                 </a:solidFill>
               </a:rPr>
-              <a:t>DateTimeParser</a:t>
+              <a:t>DateTimeManager</a:t>
             </a:r>
             <a:endParaRPr lang="en-SG" sz="1050" b="1" dirty="0">
               <a:solidFill>
@@ -7423,8 +7423,8 @@
         </p:nvCxnSpPr>
         <p:spPr>
           <a:xfrm rot="5400000" flipH="1" flipV="1">
-            <a:off x="1983119" y="3510947"/>
-            <a:ext cx="395397" cy="299054"/>
+            <a:off x="1952512" y="3480344"/>
+            <a:ext cx="456611" cy="299053"/>
           </a:xfrm>
           <a:prstGeom prst="bentConnector2">
             <a:avLst/>
@@ -7464,8 +7464,8 @@
         </p:nvCxnSpPr>
         <p:spPr>
           <a:xfrm rot="10800000">
-            <a:off x="2031290" y="3858174"/>
-            <a:ext cx="249206" cy="129659"/>
+            <a:off x="2046591" y="3830765"/>
+            <a:ext cx="249206" cy="72810"/>
           </a:xfrm>
           <a:prstGeom prst="bentConnector3">
             <a:avLst>
@@ -7499,68 +7499,14 @@
       </p:cxnSp>
       <p:sp>
         <p:nvSpPr>
-          <p:cNvPr id="112" name="Isosceles Triangle 102"/>
-          <p:cNvSpPr/>
-          <p:nvPr/>
-        </p:nvSpPr>
-        <p:spPr>
-          <a:xfrm rot="5400000">
-            <a:off x="2098917" y="3353044"/>
-            <a:ext cx="270504" cy="175523"/>
-          </a:xfrm>
-          <a:prstGeom prst="triangle">
-            <a:avLst/>
-          </a:prstGeom>
-          <a:solidFill>
-            <a:schemeClr val="tx2">
-              <a:lumMod val="60000"/>
-              <a:lumOff val="40000"/>
-            </a:schemeClr>
-          </a:solidFill>
-          <a:ln w="19050">
-            <a:solidFill>
-              <a:srgbClr val="0070C0"/>
-            </a:solidFill>
-          </a:ln>
-          <a:effectLst/>
-        </p:spPr>
-        <p:style>
-          <a:lnRef idx="1">
-            <a:schemeClr val="accent1"/>
-          </a:lnRef>
-          <a:fillRef idx="2">
-            <a:schemeClr val="accent1"/>
-          </a:fillRef>
-          <a:effectRef idx="1">
-            <a:schemeClr val="accent1"/>
-          </a:effectRef>
-          <a:fontRef idx="minor">
-            <a:schemeClr val="dk1"/>
-          </a:fontRef>
-        </p:style>
-        <p:txBody>
-          <a:bodyPr rtlCol="0" anchor="ctr"/>
-          <a:lstStyle/>
-          <a:p>
-            <a:pPr algn="ctr"/>
-            <a:endParaRPr lang="en-SG" sz="1050" b="1">
-              <a:solidFill>
-                <a:srgbClr val="92D050"/>
-              </a:solidFill>
-            </a:endParaRPr>
-          </a:p>
-        </p:txBody>
-      </p:sp>
-      <p:sp>
-        <p:nvSpPr>
           <p:cNvPr id="114" name="Rectangle 113"/>
           <p:cNvSpPr/>
           <p:nvPr/>
         </p:nvSpPr>
         <p:spPr>
           <a:xfrm flipH="1">
-            <a:off x="4755577" y="3905667"/>
-            <a:ext cx="1438612" cy="330193"/>
+            <a:off x="4755577" y="3800691"/>
+            <a:ext cx="1438612" cy="435169"/>
           </a:xfrm>
           <a:prstGeom prst="rect">
             <a:avLst/>
@@ -7591,12 +7537,23 @@
           <a:p>
             <a:pPr algn="ctr"/>
             <a:r>
+              <a:rPr lang="en-US" sz="1050" b="1" dirty="0" smtClean="0">
+                <a:solidFill>
+                  <a:schemeClr val="bg1"/>
+                </a:solidFill>
+              </a:rPr>
+              <a:t>&lt;&lt;interface&gt;&gt;</a:t>
+            </a:r>
+          </a:p>
+          <a:p>
+            <a:pPr algn="ctr"/>
+            <a:r>
               <a:rPr lang="en-US" sz="1050" b="1" dirty="0" err="1" smtClean="0">
                 <a:solidFill>
                   <a:schemeClr val="bg1"/>
                 </a:solidFill>
               </a:rPr>
-              <a:t>RecurrenceManager</a:t>
+              <a:t>RecurrenceParser</a:t>
             </a:r>
             <a:endParaRPr lang="en-US" sz="1050" b="1" dirty="0" smtClean="0">
               <a:solidFill>
@@ -7614,8 +7571,8 @@
         </p:nvSpPr>
         <p:spPr>
           <a:xfrm flipH="1">
-            <a:off x="4268643" y="3292587"/>
-            <a:ext cx="1278268" cy="436099"/>
+            <a:off x="4225618" y="3292587"/>
+            <a:ext cx="1321293" cy="296607"/>
           </a:xfrm>
           <a:prstGeom prst="rect">
             <a:avLst/>
@@ -7646,23 +7603,12 @@
           <a:p>
             <a:pPr algn="ctr"/>
             <a:r>
-              <a:rPr lang="en-US" sz="1050" b="1" dirty="0" smtClean="0">
-                <a:solidFill>
-                  <a:schemeClr val="bg1"/>
-                </a:solidFill>
-              </a:rPr>
-              <a:t>&lt;&lt;interface&gt;&gt;</a:t>
-            </a:r>
-          </a:p>
-          <a:p>
-            <a:pPr algn="ctr"/>
-            <a:r>
               <a:rPr lang="en-US" sz="1050" b="1" dirty="0" err="1" smtClean="0">
                 <a:solidFill>
                   <a:schemeClr val="bg1"/>
                 </a:solidFill>
               </a:rPr>
-              <a:t>RecurrenceParser</a:t>
+              <a:t>RecurrenceManager</a:t>
             </a:r>
             <a:endParaRPr lang="en-SG" sz="1050" b="1" dirty="0">
               <a:solidFill>
@@ -7682,8 +7628,8 @@
         </p:nvCxnSpPr>
         <p:spPr>
           <a:xfrm rot="10800000">
-            <a:off x="6194190" y="4070765"/>
-            <a:ext cx="855245" cy="660583"/>
+            <a:off x="6194190" y="4018277"/>
+            <a:ext cx="855249" cy="713075"/>
           </a:xfrm>
           <a:prstGeom prst="bentConnector3">
             <a:avLst>
@@ -7725,12 +7671,12 @@
         </p:nvCxnSpPr>
         <p:spPr>
           <a:xfrm flipV="1">
-            <a:off x="2244873" y="4070764"/>
-            <a:ext cx="2510704" cy="330087"/>
+            <a:off x="2244873" y="4018276"/>
+            <a:ext cx="2510704" cy="382576"/>
           </a:xfrm>
           <a:prstGeom prst="bentConnector3">
             <a:avLst>
-              <a:gd name="adj1" fmla="val 89682"/>
+              <a:gd name="adj1" fmla="val 85333"/>
             </a:avLst>
           </a:prstGeom>
           <a:ln w="19050">
@@ -7801,14 +7747,15 @@
         <p:nvCxnSpPr>
           <p:cNvPr id="128" name="Elbow Connector 63"/>
           <p:cNvCxnSpPr>
+            <a:stCxn id="77" idx="0"/>
             <a:endCxn id="115" idx="1"/>
           </p:cNvCxnSpPr>
           <p:nvPr/>
         </p:nvCxnSpPr>
         <p:spPr>
           <a:xfrm rot="16200000" flipV="1">
-            <a:off x="5537640" y="3519909"/>
-            <a:ext cx="383147" cy="364604"/>
+            <a:off x="5623009" y="3364793"/>
+            <a:ext cx="212416" cy="364611"/>
           </a:xfrm>
           <a:prstGeom prst="bentConnector2">
             <a:avLst/>
@@ -7838,15 +7785,93 @@
           </a:fontRef>
         </p:style>
       </p:cxnSp>
-      <p:sp>
-        <p:nvSpPr>
-          <p:cNvPr id="132" name="Isosceles Triangle 102"/>
+      <p:cxnSp>
+        <p:nvCxnSpPr>
+          <p:cNvPr id="111" name="Straight Arrow Connector 57"/>
+          <p:cNvCxnSpPr/>
+          <p:nvPr/>
+        </p:nvCxnSpPr>
+        <p:spPr>
+          <a:xfrm>
+            <a:off x="7948802" y="1116417"/>
+            <a:ext cx="8003" cy="4256615"/>
+          </a:xfrm>
+          <a:prstGeom prst="straightConnector1">
+            <a:avLst/>
+          </a:prstGeom>
+          <a:ln w="19050">
+            <a:solidFill>
+              <a:srgbClr val="0070C0"/>
+            </a:solidFill>
+            <a:headEnd type="none" w="med" len="med"/>
+            <a:tailEnd type="arrow" w="med" len="med"/>
+          </a:ln>
+          <a:effectLst/>
+        </p:spPr>
+        <p:style>
+          <a:lnRef idx="1">
+            <a:schemeClr val="accent2"/>
+          </a:lnRef>
+          <a:fillRef idx="2">
+            <a:schemeClr val="accent2"/>
+          </a:fillRef>
+          <a:effectRef idx="1">
+            <a:schemeClr val="accent2"/>
+          </a:effectRef>
+          <a:fontRef idx="minor">
+            <a:schemeClr val="dk1"/>
+          </a:fontRef>
+        </p:style>
+      </p:cxnSp>
+      <p:sp>
+        <p:nvSpPr>
+          <p:cNvPr id="77" name="Flowchart: Merge 76"/>
           <p:cNvSpPr/>
           <p:nvPr/>
         </p:nvSpPr>
         <p:spPr>
-          <a:xfrm rot="16200000">
-            <a:off x="5509411" y="3426824"/>
+          <a:xfrm>
+            <a:off x="5812643" y="3653307"/>
+            <a:ext cx="197758" cy="152400"/>
+          </a:xfrm>
+          <a:prstGeom prst="flowChartMerge">
+            <a:avLst/>
+          </a:prstGeom>
+        </p:spPr>
+        <p:style>
+          <a:lnRef idx="2">
+            <a:schemeClr val="accent1">
+              <a:shade val="50000"/>
+            </a:schemeClr>
+          </a:lnRef>
+          <a:fillRef idx="1">
+            <a:schemeClr val="accent1"/>
+          </a:fillRef>
+          <a:effectRef idx="0">
+            <a:schemeClr val="accent1"/>
+          </a:effectRef>
+          <a:fontRef idx="minor">
+            <a:schemeClr val="lt1"/>
+          </a:fontRef>
+        </p:style>
+        <p:txBody>
+          <a:bodyPr rtlCol="0" anchor="ctr"/>
+          <a:lstStyle/>
+          <a:p>
+            <a:pPr algn="ctr"/>
+            <a:endParaRPr lang="en-US"/>
+          </a:p>
+        </p:txBody>
+      </p:sp>
+      <p:sp>
+        <p:nvSpPr>
+          <p:cNvPr id="129" name="Isosceles Triangle 102"/>
+          <p:cNvSpPr/>
+          <p:nvPr/>
+        </p:nvSpPr>
+        <p:spPr>
+          <a:xfrm rot="5400000">
+            <a:off x="2098486" y="3787724"/>
             <a:ext cx="270504" cy="175523"/>
           </a:xfrm>
           <a:prstGeom prst="triangle">
